--- a/Risk PPT.pptx
+++ b/Risk PPT.pptx
@@ -5,7 +5,7 @@
     <p:sldMasterId id="2147483660" r:id="rId1"/>
   </p:sldMasterIdLst>
   <p:notesMasterIdLst>
-    <p:notesMasterId r:id="rId11"/>
+    <p:notesMasterId r:id="rId15"/>
   </p:notesMasterIdLst>
   <p:sldIdLst>
     <p:sldId id="256" r:id="rId2"/>
@@ -14,23 +14,27 @@
     <p:sldId id="259" r:id="rId5"/>
     <p:sldId id="260" r:id="rId6"/>
     <p:sldId id="261" r:id="rId7"/>
-    <p:sldId id="265" r:id="rId8"/>
-    <p:sldId id="266" r:id="rId9"/>
-    <p:sldId id="264" r:id="rId10"/>
+    <p:sldId id="267" r:id="rId8"/>
+    <p:sldId id="265" r:id="rId9"/>
+    <p:sldId id="268" r:id="rId10"/>
+    <p:sldId id="266" r:id="rId11"/>
+    <p:sldId id="269" r:id="rId12"/>
+    <p:sldId id="270" r:id="rId13"/>
+    <p:sldId id="264" r:id="rId14"/>
   </p:sldIdLst>
   <p:sldSz cx="9144000" cy="5143500" type="screen16x9"/>
   <p:notesSz cx="6858000" cy="9144000"/>
   <p:embeddedFontLst>
     <p:embeddedFont>
       <p:font typeface="Alfa Slab One" panose="020B0604020202020204" charset="0"/>
-      <p:regular r:id="rId12"/>
+      <p:regular r:id="rId16"/>
     </p:embeddedFont>
     <p:embeddedFont>
       <p:font typeface="Gill Sans MT" panose="020B0502020104020203" pitchFamily="34" charset="0"/>
-      <p:regular r:id="rId13"/>
-      <p:bold r:id="rId14"/>
-      <p:italic r:id="rId15"/>
-      <p:boldItalic r:id="rId16"/>
+      <p:regular r:id="rId17"/>
+      <p:bold r:id="rId18"/>
+      <p:italic r:id="rId19"/>
+      <p:boldItalic r:id="rId20"/>
     </p:embeddedFont>
   </p:embeddedFontLst>
   <p:defaultTextStyle>
@@ -1064,7 +1068,7 @@
               <a:buSzPts val="1400"/>
               <a:buNone/>
             </a:pPr>
-            <a:endParaRPr/>
+            <a:endParaRPr dirty="0"/>
           </a:p>
         </p:txBody>
       </p:sp>
@@ -1685,7 +1689,7 @@
           <a:p>
             <a:fld id="{48A87A34-81AB-432B-8DAE-1953F412C126}" type="datetimeFigureOut">
               <a:rPr lang="en-US" dirty="0"/>
-              <a:t>3/5/2019</a:t>
+              <a:t>4/9/2019</a:t>
             </a:fld>
             <a:endParaRPr lang="en-US" dirty="0"/>
           </a:p>
@@ -1906,7 +1910,7 @@
           <a:p>
             <a:fld id="{48A87A34-81AB-432B-8DAE-1953F412C126}" type="datetimeFigureOut">
               <a:rPr lang="en-US" dirty="0"/>
-              <a:t>3/5/2019</a:t>
+              <a:t>4/9/2019</a:t>
             </a:fld>
             <a:endParaRPr lang="en-US" dirty="0"/>
           </a:p>
@@ -2131,7 +2135,7 @@
           <a:p>
             <a:fld id="{48A87A34-81AB-432B-8DAE-1953F412C126}" type="datetimeFigureOut">
               <a:rPr lang="en-US" dirty="0"/>
-              <a:t>3/5/2019</a:t>
+              <a:t>4/9/2019</a:t>
             </a:fld>
             <a:endParaRPr lang="en-US" dirty="0"/>
           </a:p>
@@ -2969,7 +2973,7 @@
           <a:p>
             <a:fld id="{48A87A34-81AB-432B-8DAE-1953F412C126}" type="datetimeFigureOut">
               <a:rPr lang="en-US" dirty="0"/>
-              <a:t>3/5/2019</a:t>
+              <a:t>4/9/2019</a:t>
             </a:fld>
             <a:endParaRPr lang="en-US" dirty="0"/>
           </a:p>
@@ -3258,7 +3262,7 @@
           <a:p>
             <a:fld id="{48A87A34-81AB-432B-8DAE-1953F412C126}" type="datetimeFigureOut">
               <a:rPr lang="en-US" dirty="0"/>
-              <a:t>3/5/2019</a:t>
+              <a:t>4/9/2019</a:t>
             </a:fld>
             <a:endParaRPr lang="en-US" dirty="0"/>
           </a:p>
@@ -3536,7 +3540,7 @@
           <a:p>
             <a:fld id="{48A87A34-81AB-432B-8DAE-1953F412C126}" type="datetimeFigureOut">
               <a:rPr lang="en-US" dirty="0"/>
-              <a:t>3/5/2019</a:t>
+              <a:t>4/9/2019</a:t>
             </a:fld>
             <a:endParaRPr lang="en-US" dirty="0"/>
           </a:p>
@@ -3962,7 +3966,7 @@
           <a:p>
             <a:fld id="{48A87A34-81AB-432B-8DAE-1953F412C126}" type="datetimeFigureOut">
               <a:rPr lang="en-US" dirty="0"/>
-              <a:t>3/5/2019</a:t>
+              <a:t>4/9/2019</a:t>
             </a:fld>
             <a:endParaRPr lang="en-US" dirty="0"/>
           </a:p>
@@ -4121,7 +4125,7 @@
           <a:p>
             <a:fld id="{48A87A34-81AB-432B-8DAE-1953F412C126}" type="datetimeFigureOut">
               <a:rPr lang="en-US" dirty="0"/>
-              <a:t>3/5/2019</a:t>
+              <a:t>4/9/2019</a:t>
             </a:fld>
             <a:endParaRPr lang="en-US" dirty="0"/>
           </a:p>
@@ -4257,7 +4261,7 @@
           <a:p>
             <a:fld id="{48A87A34-81AB-432B-8DAE-1953F412C126}" type="datetimeFigureOut">
               <a:rPr lang="en-US" dirty="0"/>
-              <a:t>3/5/2019</a:t>
+              <a:t>4/9/2019</a:t>
             </a:fld>
             <a:endParaRPr lang="en-US" dirty="0"/>
           </a:p>
@@ -4517,7 +4521,7 @@
           <a:p>
             <a:fld id="{48A87A34-81AB-432B-8DAE-1953F412C126}" type="datetimeFigureOut">
               <a:rPr lang="en-US" dirty="0"/>
-              <a:t>3/5/2019</a:t>
+              <a:t>4/9/2019</a:t>
             </a:fld>
             <a:endParaRPr lang="en-US" dirty="0"/>
           </a:p>
@@ -4973,7 +4977,7 @@
             <a:fld id="{48A87A34-81AB-432B-8DAE-1953F412C126}" type="datetimeFigureOut">
               <a:rPr lang="en-US" dirty="0"/>
               <a:pPr/>
-              <a:t>3/5/2019</a:t>
+              <a:t>4/9/2019</a:t>
             </a:fld>
             <a:endParaRPr lang="en-US" dirty="0"/>
           </a:p>
@@ -5310,7 +5314,7 @@
             <a:fld id="{48A87A34-81AB-432B-8DAE-1953F412C126}" type="datetimeFigureOut">
               <a:rPr lang="en-US" dirty="0"/>
               <a:pPr/>
-              <a:t>3/5/2019</a:t>
+              <a:t>4/9/2019</a:t>
             </a:fld>
             <a:endParaRPr lang="en-US" dirty="0"/>
           </a:p>
@@ -6257,6 +6261,512 @@
 </p:sld>
 </file>
 
+<file path=ppt/slides/slide10.xml><?xml version="1.0" encoding="utf-8"?>
+<p:sld xmlns:a="http://schemas.openxmlformats.org/drawingml/2006/main" xmlns:r="http://schemas.openxmlformats.org/officeDocument/2006/relationships" xmlns:p="http://schemas.openxmlformats.org/presentationml/2006/main">
+  <p:cSld>
+    <p:spTree>
+      <p:nvGrpSpPr>
+        <p:cNvPr id="1" name=""/>
+        <p:cNvGrpSpPr/>
+        <p:nvPr/>
+      </p:nvGrpSpPr>
+      <p:grpSpPr>
+        <a:xfrm>
+          <a:off x="0" y="0"/>
+          <a:ext cx="0" cy="0"/>
+          <a:chOff x="0" y="0"/>
+          <a:chExt cx="0" cy="0"/>
+        </a:xfrm>
+      </p:grpSpPr>
+      <p:sp>
+        <p:nvSpPr>
+          <p:cNvPr id="2" name="Title 1">
+            <a:extLst>
+              <a:ext uri="{FF2B5EF4-FFF2-40B4-BE49-F238E27FC236}">
+                <a16:creationId xmlns:a16="http://schemas.microsoft.com/office/drawing/2014/main" id="{F8CF1FBB-F50F-4EAC-9235-238450752EE8}"/>
+              </a:ext>
+            </a:extLst>
+          </p:cNvPr>
+          <p:cNvSpPr>
+            <a:spLocks noGrp="1"/>
+          </p:cNvSpPr>
+          <p:nvPr>
+            <p:ph type="title"/>
+          </p:nvPr>
+        </p:nvSpPr>
+        <p:spPr/>
+        <p:txBody>
+          <a:bodyPr>
+            <a:noAutofit/>
+          </a:bodyPr>
+          <a:lstStyle/>
+          <a:p>
+            <a:r>
+              <a:rPr lang="en-CA" sz="2800" b="1" u="sng" dirty="0">
+                <a:solidFill>
+                  <a:schemeClr val="accent1">
+                    <a:lumMod val="75000"/>
+                  </a:schemeClr>
+                </a:solidFill>
+                <a:latin typeface="Times New Roman" panose="02020603050405020304" pitchFamily="18" charset="0"/>
+                <a:cs typeface="Times New Roman" panose="02020603050405020304" pitchFamily="18" charset="0"/>
+              </a:rPr>
+              <a:t>Fortification phase</a:t>
+            </a:r>
+          </a:p>
+        </p:txBody>
+      </p:sp>
+      <p:sp>
+        <p:nvSpPr>
+          <p:cNvPr id="3" name="Content Placeholder 2">
+            <a:extLst>
+              <a:ext uri="{FF2B5EF4-FFF2-40B4-BE49-F238E27FC236}">
+                <a16:creationId xmlns:a16="http://schemas.microsoft.com/office/drawing/2014/main" id="{36BE1D75-5A21-4155-A871-CB5A6C823350}"/>
+              </a:ext>
+            </a:extLst>
+          </p:cNvPr>
+          <p:cNvSpPr>
+            <a:spLocks noGrp="1"/>
+          </p:cNvSpPr>
+          <p:nvPr>
+            <p:ph type="body" idx="1"/>
+          </p:nvPr>
+        </p:nvSpPr>
+        <p:spPr/>
+        <p:txBody>
+          <a:bodyPr>
+            <a:normAutofit/>
+          </a:bodyPr>
+          <a:lstStyle/>
+          <a:p>
+            <a:pPr>
+              <a:buFont typeface="Wingdings" panose="05000000000000000000" pitchFamily="2" charset="2"/>
+              <a:buChar char="Ø"/>
+            </a:pPr>
+            <a:r>
+              <a:rPr lang="en-CA" sz="2200" dirty="0"/>
+              <a:t>Here the player can transfer armies from one country to another country.</a:t>
+            </a:r>
+          </a:p>
+          <a:p>
+            <a:pPr lvl="1">
+              <a:buFont typeface="Wingdings" panose="05000000000000000000" pitchFamily="2" charset="2"/>
+              <a:buChar char="Ø"/>
+            </a:pPr>
+            <a:r>
+              <a:rPr lang="en-CA" sz="2200" dirty="0"/>
+              <a:t>Countries should belong to the player</a:t>
+            </a:r>
+          </a:p>
+          <a:p>
+            <a:pPr lvl="1">
+              <a:buFont typeface="Wingdings" panose="05000000000000000000" pitchFamily="2" charset="2"/>
+              <a:buChar char="Ø"/>
+            </a:pPr>
+            <a:r>
+              <a:rPr lang="en-CA" sz="2200" dirty="0"/>
+              <a:t>Countries should be connected with each other.(Their coordinates should be connected) </a:t>
+            </a:r>
+          </a:p>
+        </p:txBody>
+      </p:sp>
+    </p:spTree>
+    <p:extLst>
+      <p:ext uri="{BB962C8B-B14F-4D97-AF65-F5344CB8AC3E}">
+        <p14:creationId xmlns:p14="http://schemas.microsoft.com/office/powerpoint/2010/main" val="1072877324"/>
+      </p:ext>
+    </p:extLst>
+  </p:cSld>
+  <p:clrMapOvr>
+    <a:masterClrMapping/>
+  </p:clrMapOvr>
+</p:sld>
+</file>
+
+<file path=ppt/slides/slide11.xml><?xml version="1.0" encoding="utf-8"?>
+<p:sld xmlns:a="http://schemas.openxmlformats.org/drawingml/2006/main" xmlns:r="http://schemas.openxmlformats.org/officeDocument/2006/relationships" xmlns:p="http://schemas.openxmlformats.org/presentationml/2006/main">
+  <p:cSld>
+    <p:spTree>
+      <p:nvGrpSpPr>
+        <p:cNvPr id="1" name=""/>
+        <p:cNvGrpSpPr/>
+        <p:nvPr/>
+      </p:nvGrpSpPr>
+      <p:grpSpPr>
+        <a:xfrm>
+          <a:off x="0" y="0"/>
+          <a:ext cx="0" cy="0"/>
+          <a:chOff x="0" y="0"/>
+          <a:chExt cx="0" cy="0"/>
+        </a:xfrm>
+      </p:grpSpPr>
+      <p:sp>
+        <p:nvSpPr>
+          <p:cNvPr id="2" name="Title 1">
+            <a:extLst>
+              <a:ext uri="{FF2B5EF4-FFF2-40B4-BE49-F238E27FC236}">
+                <a16:creationId xmlns:a16="http://schemas.microsoft.com/office/drawing/2014/main" id="{F2C313FB-42EF-44F2-9A9A-DDBDDDF081EA}"/>
+              </a:ext>
+            </a:extLst>
+          </p:cNvPr>
+          <p:cNvSpPr>
+            <a:spLocks noGrp="1"/>
+          </p:cNvSpPr>
+          <p:nvPr>
+            <p:ph type="title"/>
+          </p:nvPr>
+        </p:nvSpPr>
+        <p:spPr/>
+        <p:txBody>
+          <a:bodyPr/>
+          <a:lstStyle/>
+          <a:p>
+            <a:r>
+              <a:rPr lang="en-US" b="1" u="sng" dirty="0">
+                <a:solidFill>
+                  <a:srgbClr val="C00000"/>
+                </a:solidFill>
+                <a:latin typeface="Times New Roman" panose="02020603050405020304" pitchFamily="18" charset="0"/>
+                <a:cs typeface="Times New Roman" panose="02020603050405020304" pitchFamily="18" charset="0"/>
+              </a:rPr>
+              <a:t>Player Strategy</a:t>
+            </a:r>
+            <a:endParaRPr lang="en-CA" b="1" u="sng" dirty="0">
+              <a:solidFill>
+                <a:srgbClr val="C00000"/>
+              </a:solidFill>
+              <a:latin typeface="Times New Roman" panose="02020603050405020304" pitchFamily="18" charset="0"/>
+              <a:cs typeface="Times New Roman" panose="02020603050405020304" pitchFamily="18" charset="0"/>
+            </a:endParaRPr>
+          </a:p>
+        </p:txBody>
+      </p:sp>
+      <p:sp>
+        <p:nvSpPr>
+          <p:cNvPr id="3" name="Text Placeholder 2">
+            <a:extLst>
+              <a:ext uri="{FF2B5EF4-FFF2-40B4-BE49-F238E27FC236}">
+                <a16:creationId xmlns:a16="http://schemas.microsoft.com/office/drawing/2014/main" id="{8D737C2C-F7AD-42AD-B418-797EE35DD8FE}"/>
+              </a:ext>
+            </a:extLst>
+          </p:cNvPr>
+          <p:cNvSpPr>
+            <a:spLocks noGrp="1"/>
+          </p:cNvSpPr>
+          <p:nvPr>
+            <p:ph type="body" idx="1"/>
+          </p:nvPr>
+        </p:nvSpPr>
+        <p:spPr/>
+        <p:txBody>
+          <a:bodyPr>
+            <a:normAutofit/>
+          </a:bodyPr>
+          <a:lstStyle/>
+          <a:p>
+            <a:r>
+              <a:rPr lang="en-CA" sz="1800" dirty="0">
+                <a:latin typeface="Times New Roman" panose="02020603050405020304" pitchFamily="18" charset="0"/>
+                <a:cs typeface="Times New Roman" panose="02020603050405020304" pitchFamily="18" charset="0"/>
+              </a:rPr>
+              <a:t>There are four strategy that any player can choose to play. They are:</a:t>
+            </a:r>
+          </a:p>
+          <a:p>
+            <a:pPr lvl="0"/>
+            <a:r>
+              <a:rPr lang="en-CA" sz="1800" b="1" dirty="0">
+                <a:latin typeface="Times New Roman" panose="02020603050405020304" pitchFamily="18" charset="0"/>
+                <a:cs typeface="Times New Roman" panose="02020603050405020304" pitchFamily="18" charset="0"/>
+              </a:rPr>
+              <a:t>Human Player Mode:</a:t>
+            </a:r>
+            <a:r>
+              <a:rPr lang="en-CA" sz="1800" dirty="0">
+                <a:latin typeface="Times New Roman" panose="02020603050405020304" pitchFamily="18" charset="0"/>
+                <a:cs typeface="Times New Roman" panose="02020603050405020304" pitchFamily="18" charset="0"/>
+              </a:rPr>
+              <a:t> A human player that requires user interaction to make decisions.</a:t>
+            </a:r>
+          </a:p>
+          <a:p>
+            <a:pPr lvl="0"/>
+            <a:r>
+              <a:rPr lang="en-CA" sz="1800" b="1" dirty="0">
+                <a:latin typeface="Times New Roman" panose="02020603050405020304" pitchFamily="18" charset="0"/>
+                <a:cs typeface="Times New Roman" panose="02020603050405020304" pitchFamily="18" charset="0"/>
+              </a:rPr>
+              <a:t>Aggressive Mode:</a:t>
+            </a:r>
+            <a:r>
+              <a:rPr lang="en-CA" sz="1800" dirty="0">
+                <a:latin typeface="Times New Roman" panose="02020603050405020304" pitchFamily="18" charset="0"/>
+                <a:cs typeface="Times New Roman" panose="02020603050405020304" pitchFamily="18" charset="0"/>
+              </a:rPr>
+              <a:t> An aggressive computer player strategy that focuses on attack (reinforces its strongest country, then always attack with it until it cannot attack anymore, then fortifies in order to maximize aggregation of forces in one country).</a:t>
+            </a:r>
+          </a:p>
+          <a:p>
+            <a:pPr lvl="0"/>
+            <a:r>
+              <a:rPr lang="en-CA" sz="1800" b="1" dirty="0">
+                <a:latin typeface="Times New Roman" panose="02020603050405020304" pitchFamily="18" charset="0"/>
+                <a:cs typeface="Times New Roman" panose="02020603050405020304" pitchFamily="18" charset="0"/>
+              </a:rPr>
+              <a:t>Benevolent Mode:</a:t>
+            </a:r>
+            <a:r>
+              <a:rPr lang="en-CA" sz="1800" dirty="0">
+                <a:latin typeface="Times New Roman" panose="02020603050405020304" pitchFamily="18" charset="0"/>
+                <a:cs typeface="Times New Roman" panose="02020603050405020304" pitchFamily="18" charset="0"/>
+              </a:rPr>
+              <a:t> A benevolent computer player strategy that focuses on protecting its weak countries (reinforces its weakest countries, never attacks, then fortifies in order to move armies to weaker countries).</a:t>
+            </a:r>
+          </a:p>
+        </p:txBody>
+      </p:sp>
+    </p:spTree>
+    <p:extLst>
+      <p:ext uri="{BB962C8B-B14F-4D97-AF65-F5344CB8AC3E}">
+        <p14:creationId xmlns:p14="http://schemas.microsoft.com/office/powerpoint/2010/main" val="2853050771"/>
+      </p:ext>
+    </p:extLst>
+  </p:cSld>
+  <p:clrMapOvr>
+    <a:masterClrMapping/>
+  </p:clrMapOvr>
+</p:sld>
+</file>
+
+<file path=ppt/slides/slide12.xml><?xml version="1.0" encoding="utf-8"?>
+<p:sld xmlns:a="http://schemas.openxmlformats.org/drawingml/2006/main" xmlns:r="http://schemas.openxmlformats.org/officeDocument/2006/relationships" xmlns:p="http://schemas.openxmlformats.org/presentationml/2006/main">
+  <p:cSld>
+    <p:spTree>
+      <p:nvGrpSpPr>
+        <p:cNvPr id="1" name=""/>
+        <p:cNvGrpSpPr/>
+        <p:nvPr/>
+      </p:nvGrpSpPr>
+      <p:grpSpPr>
+        <a:xfrm>
+          <a:off x="0" y="0"/>
+          <a:ext cx="0" cy="0"/>
+          <a:chOff x="0" y="0"/>
+          <a:chExt cx="0" cy="0"/>
+        </a:xfrm>
+      </p:grpSpPr>
+      <p:sp>
+        <p:nvSpPr>
+          <p:cNvPr id="2" name="Title 1">
+            <a:extLst>
+              <a:ext uri="{FF2B5EF4-FFF2-40B4-BE49-F238E27FC236}">
+                <a16:creationId xmlns:a16="http://schemas.microsoft.com/office/drawing/2014/main" id="{C2F3C7A0-02BA-47DC-8F79-497EFFDD2B4B}"/>
+              </a:ext>
+            </a:extLst>
+          </p:cNvPr>
+          <p:cNvSpPr>
+            <a:spLocks noGrp="1"/>
+          </p:cNvSpPr>
+          <p:nvPr>
+            <p:ph type="title"/>
+          </p:nvPr>
+        </p:nvSpPr>
+        <p:spPr/>
+        <p:txBody>
+          <a:bodyPr/>
+          <a:lstStyle/>
+          <a:p>
+            <a:r>
+              <a:rPr lang="en-US" b="1" u="sng" dirty="0">
+                <a:solidFill>
+                  <a:srgbClr val="C00000"/>
+                </a:solidFill>
+                <a:latin typeface="Times New Roman" panose="02020603050405020304" pitchFamily="18" charset="0"/>
+                <a:cs typeface="Times New Roman" panose="02020603050405020304" pitchFamily="18" charset="0"/>
+              </a:rPr>
+              <a:t> Player Strategy</a:t>
+            </a:r>
+            <a:endParaRPr lang="en-CA" b="1" u="sng" dirty="0">
+              <a:solidFill>
+                <a:srgbClr val="C00000"/>
+              </a:solidFill>
+              <a:latin typeface="Times New Roman" panose="02020603050405020304" pitchFamily="18" charset="0"/>
+              <a:cs typeface="Times New Roman" panose="02020603050405020304" pitchFamily="18" charset="0"/>
+            </a:endParaRPr>
+          </a:p>
+        </p:txBody>
+      </p:sp>
+      <p:sp>
+        <p:nvSpPr>
+          <p:cNvPr id="3" name="Text Placeholder 2">
+            <a:extLst>
+              <a:ext uri="{FF2B5EF4-FFF2-40B4-BE49-F238E27FC236}">
+                <a16:creationId xmlns:a16="http://schemas.microsoft.com/office/drawing/2014/main" id="{F092597D-9FCB-4DBB-8D01-D8A2DCA492F6}"/>
+              </a:ext>
+            </a:extLst>
+          </p:cNvPr>
+          <p:cNvSpPr>
+            <a:spLocks noGrp="1"/>
+          </p:cNvSpPr>
+          <p:nvPr>
+            <p:ph type="body" idx="1"/>
+          </p:nvPr>
+        </p:nvSpPr>
+        <p:spPr>
+          <a:xfrm>
+            <a:off x="311700" y="1152475"/>
+            <a:ext cx="8520600" cy="3416400"/>
+          </a:xfrm>
+        </p:spPr>
+        <p:txBody>
+          <a:bodyPr>
+            <a:normAutofit/>
+          </a:bodyPr>
+          <a:lstStyle/>
+          <a:p>
+            <a:pPr lvl="0"/>
+            <a:r>
+              <a:rPr lang="en-CA" sz="1800" b="1" dirty="0">
+                <a:latin typeface="Times New Roman" panose="02020603050405020304" pitchFamily="18" charset="0"/>
+                <a:cs typeface="Times New Roman" panose="02020603050405020304" pitchFamily="18" charset="0"/>
+              </a:rPr>
+              <a:t>Random Mode:</a:t>
+            </a:r>
+            <a:r>
+              <a:rPr lang="en-CA" sz="1800" dirty="0">
+                <a:latin typeface="Times New Roman" panose="02020603050405020304" pitchFamily="18" charset="0"/>
+                <a:cs typeface="Times New Roman" panose="02020603050405020304" pitchFamily="18" charset="0"/>
+              </a:rPr>
+              <a:t> A random computer player strategy that reinforces random a random country, attacks a random number of times a random country, and fortifies a random country, all following the standard rules for each phase.</a:t>
+            </a:r>
+          </a:p>
+          <a:p>
+            <a:pPr lvl="0"/>
+            <a:r>
+              <a:rPr lang="en-CA" sz="1800" b="1" dirty="0">
+                <a:latin typeface="Times New Roman" panose="02020603050405020304" pitchFamily="18" charset="0"/>
+                <a:cs typeface="Times New Roman" panose="02020603050405020304" pitchFamily="18" charset="0"/>
+              </a:rPr>
+              <a:t>Cheater Mode:</a:t>
+            </a:r>
+            <a:r>
+              <a:rPr lang="en-CA" sz="1800" dirty="0">
+                <a:latin typeface="Times New Roman" panose="02020603050405020304" pitchFamily="18" charset="0"/>
+                <a:cs typeface="Times New Roman" panose="02020603050405020304" pitchFamily="18" charset="0"/>
+              </a:rPr>
+              <a:t> A cheater computer player strategy whose reinforce() method doubles the number of armies on all its countries, whose attack() method automatically conquers all the neighbors of all its countries, and whose fortify() method doubles the number of armies on its countries that have neighbors that belong to other players.</a:t>
+            </a:r>
+          </a:p>
+        </p:txBody>
+      </p:sp>
+    </p:spTree>
+    <p:extLst>
+      <p:ext uri="{BB962C8B-B14F-4D97-AF65-F5344CB8AC3E}">
+        <p14:creationId xmlns:p14="http://schemas.microsoft.com/office/powerpoint/2010/main" val="996651992"/>
+      </p:ext>
+    </p:extLst>
+  </p:cSld>
+  <p:clrMapOvr>
+    <a:masterClrMapping/>
+  </p:clrMapOvr>
+</p:sld>
+</file>
+
+<file path=ppt/slides/slide13.xml><?xml version="1.0" encoding="utf-8"?>
+<p:sld xmlns:a="http://schemas.openxmlformats.org/drawingml/2006/main" xmlns:r="http://schemas.openxmlformats.org/officeDocument/2006/relationships" xmlns:p="http://schemas.openxmlformats.org/presentationml/2006/main">
+  <p:cSld>
+    <p:spTree>
+      <p:nvGrpSpPr>
+        <p:cNvPr id="1" name="Shape 101"/>
+        <p:cNvGrpSpPr/>
+        <p:nvPr/>
+      </p:nvGrpSpPr>
+      <p:grpSpPr>
+        <a:xfrm>
+          <a:off x="0" y="0"/>
+          <a:ext cx="0" cy="0"/>
+          <a:chOff x="0" y="0"/>
+          <a:chExt cx="0" cy="0"/>
+        </a:xfrm>
+      </p:grpSpPr>
+      <p:sp>
+        <p:nvSpPr>
+          <p:cNvPr id="102" name="Google Shape;102;p21"/>
+          <p:cNvSpPr txBox="1">
+            <a:spLocks noGrp="1"/>
+          </p:cNvSpPr>
+          <p:nvPr>
+            <p:ph type="body" idx="1"/>
+          </p:nvPr>
+        </p:nvSpPr>
+        <p:spPr>
+          <a:xfrm>
+            <a:off x="311700" y="101750"/>
+            <a:ext cx="8520600" cy="4467000"/>
+          </a:xfrm>
+          <a:prstGeom prst="rect">
+            <a:avLst/>
+          </a:prstGeom>
+        </p:spPr>
+        <p:txBody>
+          <a:bodyPr spcFirstLastPara="1" wrap="square" lIns="91425" tIns="91425" rIns="91425" bIns="91425" anchor="ctr" anchorCtr="0">
+            <a:noAutofit/>
+          </a:bodyPr>
+          <a:lstStyle/>
+          <a:p>
+            <a:pPr marL="0" lvl="0" indent="0" algn="ctr" rtl="0">
+              <a:spcBef>
+                <a:spcPts val="0"/>
+              </a:spcBef>
+              <a:spcAft>
+                <a:spcPts val="0"/>
+              </a:spcAft>
+              <a:buNone/>
+            </a:pPr>
+            <a:r>
+              <a:rPr lang="en-CA" sz="9600" i="1" dirty="0">
+                <a:solidFill>
+                  <a:schemeClr val="accent1">
+                    <a:lumMod val="75000"/>
+                  </a:schemeClr>
+                </a:solidFill>
+                <a:latin typeface="Times New Roman" panose="02020603050405020304" pitchFamily="18" charset="0"/>
+                <a:cs typeface="Times New Roman" panose="02020603050405020304" pitchFamily="18" charset="0"/>
+              </a:rPr>
+              <a:t>Thank</a:t>
+            </a:r>
+            <a:r>
+              <a:rPr lang="en" sz="9600" i="1" dirty="0">
+                <a:solidFill>
+                  <a:schemeClr val="accent1">
+                    <a:lumMod val="75000"/>
+                  </a:schemeClr>
+                </a:solidFill>
+                <a:latin typeface="Times New Roman" panose="02020603050405020304" pitchFamily="18" charset="0"/>
+                <a:cs typeface="Times New Roman" panose="02020603050405020304" pitchFamily="18" charset="0"/>
+              </a:rPr>
+              <a:t> You</a:t>
+            </a:r>
+            <a:endParaRPr sz="9600" i="1" dirty="0">
+              <a:solidFill>
+                <a:schemeClr val="accent1">
+                  <a:lumMod val="75000"/>
+                </a:schemeClr>
+              </a:solidFill>
+              <a:latin typeface="Times New Roman" panose="02020603050405020304" pitchFamily="18" charset="0"/>
+              <a:cs typeface="Times New Roman" panose="02020603050405020304" pitchFamily="18" charset="0"/>
+            </a:endParaRPr>
+          </a:p>
+        </p:txBody>
+      </p:sp>
+    </p:spTree>
+  </p:cSld>
+  <p:clrMapOvr>
+    <a:masterClrMapping/>
+  </p:clrMapOvr>
+</p:sld>
+</file>
+
 <file path=ppt/slides/slide2.xml><?xml version="1.0" encoding="utf-8"?>
 <p:sld xmlns:a="http://schemas.openxmlformats.org/drawingml/2006/main" xmlns:r="http://schemas.openxmlformats.org/officeDocument/2006/relationships" xmlns:p="http://schemas.openxmlformats.org/presentationml/2006/main">
   <p:cSld>
@@ -6322,7 +6832,7 @@
                 <a:latin typeface="Times New Roman" panose="02020603050405020304" pitchFamily="18" charset="0"/>
                 <a:cs typeface="Times New Roman" panose="02020603050405020304" pitchFamily="18" charset="0"/>
               </a:rPr>
-              <a:t>Features of Build 1</a:t>
+              <a:t>Features of Build 3</a:t>
             </a:r>
             <a:endParaRPr sz="2800" b="1" u="sng" dirty="0">
               <a:solidFill>
@@ -6519,7 +7029,37 @@
                 <a:latin typeface="Times New Roman" panose="02020603050405020304" pitchFamily="18" charset="0"/>
                 <a:cs typeface="Times New Roman" panose="02020603050405020304" pitchFamily="18" charset="0"/>
               </a:rPr>
-              <a:t>Implementation of “Reinforcement Phase” and “Fortification Phase”</a:t>
+              <a:t>Implementation of “Reinforcement Phase”, “Attack Phase” and “Fortification Phase”.</a:t>
+            </a:r>
+          </a:p>
+          <a:p>
+            <a:pPr marL="457200" lvl="0" indent="-381000" algn="l" rtl="0">
+              <a:lnSpc>
+                <a:spcPct val="115000"/>
+              </a:lnSpc>
+              <a:spcBef>
+                <a:spcPts val="0"/>
+              </a:spcBef>
+              <a:spcAft>
+                <a:spcPts val="0"/>
+              </a:spcAft>
+              <a:buSzPts val="2400"/>
+              <a:buFont typeface="Wingdings" panose="05000000000000000000" pitchFamily="2" charset="2"/>
+              <a:buChar char="Ø"/>
+            </a:pPr>
+            <a:r>
+              <a:rPr lang="en-CA" sz="2200" dirty="0" err="1">
+                <a:latin typeface="Times New Roman" panose="02020603050405020304" pitchFamily="18" charset="0"/>
+                <a:cs typeface="Times New Roman" panose="02020603050405020304" pitchFamily="18" charset="0"/>
+              </a:rPr>
+              <a:t>Imlementation</a:t>
+            </a:r>
+            <a:r>
+              <a:rPr lang="en-CA" sz="2200" dirty="0">
+                <a:latin typeface="Times New Roman" panose="02020603050405020304" pitchFamily="18" charset="0"/>
+                <a:cs typeface="Times New Roman" panose="02020603050405020304" pitchFamily="18" charset="0"/>
+              </a:rPr>
+              <a:t> of Tournament Mode.</a:t>
             </a:r>
             <a:endParaRPr sz="2200" dirty="0">
               <a:latin typeface="Times New Roman" panose="02020603050405020304" pitchFamily="18" charset="0"/>
@@ -6621,7 +7161,7 @@
                 <a:latin typeface="Times New Roman" panose="02020603050405020304" pitchFamily="18" charset="0"/>
                 <a:cs typeface="Times New Roman" panose="02020603050405020304" pitchFamily="18" charset="0"/>
               </a:rPr>
-              <a:t>Features of Build 1</a:t>
+              <a:t>Features of Build 3</a:t>
             </a:r>
             <a:endParaRPr sz="2800" b="1" u="sng" dirty="0">
               <a:solidFill>
@@ -6840,7 +7380,7 @@
                 <a:latin typeface="Times New Roman" panose="02020603050405020304" pitchFamily="18" charset="0"/>
                 <a:cs typeface="Times New Roman" panose="02020603050405020304" pitchFamily="18" charset="0"/>
               </a:rPr>
-              <a:t>Features of Build 1</a:t>
+              <a:t>Features of Build 3</a:t>
             </a:r>
             <a:endParaRPr sz="2800" b="1" u="sng" dirty="0">
               <a:solidFill>
@@ -7055,7 +7595,7 @@
                 <a:latin typeface="Times New Roman" panose="02020603050405020304" pitchFamily="18" charset="0"/>
                 <a:cs typeface="Times New Roman" panose="02020603050405020304" pitchFamily="18" charset="0"/>
               </a:rPr>
-              <a:t>Features of Build 1</a:t>
+              <a:t>Features of Build 3</a:t>
             </a:r>
             <a:endParaRPr sz="2800" b="1" u="sng" dirty="0">
               <a:solidFill>
@@ -7239,7 +7779,7 @@
                 <a:latin typeface="Times New Roman" panose="02020603050405020304" pitchFamily="18" charset="0"/>
                 <a:cs typeface="Times New Roman" panose="02020603050405020304" pitchFamily="18" charset="0"/>
               </a:rPr>
-              <a:t>Features of Build 1</a:t>
+              <a:t>Features of Build 3</a:t>
             </a:r>
             <a:endParaRPr sz="2800" b="1" u="sng" dirty="0">
               <a:solidFill>
@@ -7401,7 +7941,7 @@
           <p:cNvPr id="2" name="Title 1">
             <a:extLst>
               <a:ext uri="{FF2B5EF4-FFF2-40B4-BE49-F238E27FC236}">
-                <a16:creationId xmlns:a16="http://schemas.microsoft.com/office/drawing/2014/main" id="{C2EA4025-A777-4F21-8E3D-2E525501AAE9}"/>
+                <a16:creationId xmlns:a16="http://schemas.microsoft.com/office/drawing/2014/main" id="{CDB1C830-C702-483E-A386-710F9EA26363}"/>
               </a:ext>
             </a:extLst>
           </p:cNvPr>
@@ -7414,32 +7954,35 @@
         </p:nvSpPr>
         <p:spPr/>
         <p:txBody>
-          <a:bodyPr>
-            <a:noAutofit/>
-          </a:bodyPr>
+          <a:bodyPr/>
           <a:lstStyle/>
           <a:p>
             <a:r>
-              <a:rPr lang="en-CA" sz="2800" b="1" u="sng" dirty="0">
+              <a:rPr lang="en-US" b="1" u="sng" dirty="0">
                 <a:solidFill>
-                  <a:schemeClr val="accent1">
-                    <a:lumMod val="75000"/>
-                  </a:schemeClr>
+                  <a:srgbClr val="C00000"/>
                 </a:solidFill>
                 <a:latin typeface="Times New Roman" panose="02020603050405020304" pitchFamily="18" charset="0"/>
                 <a:cs typeface="Times New Roman" panose="02020603050405020304" pitchFamily="18" charset="0"/>
               </a:rPr>
-              <a:t>Reinforcement phase</a:t>
-            </a:r>
-          </a:p>
-        </p:txBody>
-      </p:sp>
-      <p:sp>
-        <p:nvSpPr>
-          <p:cNvPr id="4" name="Text Placeholder 3">
+              <a:t>Tournament Mode</a:t>
+            </a:r>
+            <a:endParaRPr lang="en-CA" b="1" u="sng" dirty="0">
+              <a:solidFill>
+                <a:srgbClr val="C00000"/>
+              </a:solidFill>
+              <a:latin typeface="Times New Roman" panose="02020603050405020304" pitchFamily="18" charset="0"/>
+              <a:cs typeface="Times New Roman" panose="02020603050405020304" pitchFamily="18" charset="0"/>
+            </a:endParaRPr>
+          </a:p>
+        </p:txBody>
+      </p:sp>
+      <p:sp>
+        <p:nvSpPr>
+          <p:cNvPr id="3" name="Text Placeholder 2">
             <a:extLst>
               <a:ext uri="{FF2B5EF4-FFF2-40B4-BE49-F238E27FC236}">
-                <a16:creationId xmlns:a16="http://schemas.microsoft.com/office/drawing/2014/main" id="{B00C059F-22CF-4A6E-9176-026B85F2148B}"/>
+                <a16:creationId xmlns:a16="http://schemas.microsoft.com/office/drawing/2014/main" id="{93F3639C-C4AA-448C-BF15-4E4B78DCD5DB}"/>
               </a:ext>
             </a:extLst>
           </p:cNvPr>
@@ -7452,50 +7995,41 @@
         </p:nvSpPr>
         <p:spPr/>
         <p:txBody>
-          <a:bodyPr/>
+          <a:bodyPr>
+            <a:normAutofit/>
+          </a:bodyPr>
           <a:lstStyle/>
           <a:p>
-            <a:pPr>
-              <a:buFont typeface="Wingdings" panose="05000000000000000000" pitchFamily="2" charset="2"/>
-              <a:buChar char="Ø"/>
-            </a:pPr>
-            <a:r>
-              <a:rPr lang="en-CA" sz="2200" dirty="0"/>
-              <a:t>In this phase the players will be given reinforcement armies according to countries the own in war, no of card trades by the players and number of continent owned by the player.</a:t>
-            </a:r>
-          </a:p>
-          <a:p>
-            <a:pPr>
-              <a:buFont typeface="Wingdings" panose="05000000000000000000" pitchFamily="2" charset="2"/>
-              <a:buChar char="Ø"/>
-            </a:pPr>
-            <a:r>
-              <a:rPr lang="en-CA" sz="2200" dirty="0"/>
-              <a:t>Calculation of total reinforcement armies will be done by machine.</a:t>
-            </a:r>
-          </a:p>
-          <a:p>
-            <a:pPr>
-              <a:buFont typeface="Wingdings" panose="05000000000000000000" pitchFamily="2" charset="2"/>
-              <a:buChar char="Ø"/>
-            </a:pPr>
-            <a:r>
-              <a:rPr lang="en-CA" sz="2200" dirty="0"/>
-              <a:t>Player can distribute the armies to his corresponding countries. </a:t>
-            </a:r>
-          </a:p>
-          <a:p>
-            <a:pPr marL="114300" indent="0">
-              <a:buNone/>
-            </a:pPr>
-            <a:endParaRPr lang="en-CA" dirty="0"/>
+            <a:r>
+              <a:rPr lang="en-US" sz="1800" dirty="0"/>
+              <a:t>Here the user won’t have any interaction. </a:t>
+            </a:r>
+          </a:p>
+          <a:p>
+            <a:r>
+              <a:rPr lang="en-US" sz="1800" dirty="0"/>
+              <a:t>Once he select the tournament mode the game will automatically played by the computer.</a:t>
+            </a:r>
+          </a:p>
+          <a:p>
+            <a:r>
+              <a:rPr lang="en-US" sz="1800" dirty="0"/>
+              <a:t>Finally the winner will be displayed at the end of the game.</a:t>
+            </a:r>
+          </a:p>
+          <a:p>
+            <a:r>
+              <a:rPr lang="en-US" sz="1800" dirty="0"/>
+              <a:t>The game can be stored in a source file and can be load again in the project.  </a:t>
+            </a:r>
+            <a:endParaRPr lang="en-CA" sz="1800" dirty="0"/>
           </a:p>
         </p:txBody>
       </p:sp>
     </p:spTree>
     <p:extLst>
       <p:ext uri="{BB962C8B-B14F-4D97-AF65-F5344CB8AC3E}">
-        <p14:creationId xmlns:p14="http://schemas.microsoft.com/office/powerpoint/2010/main" val="3923398359"/>
+        <p14:creationId xmlns:p14="http://schemas.microsoft.com/office/powerpoint/2010/main" val="953420191"/>
       </p:ext>
     </p:extLst>
   </p:cSld>
@@ -7527,7 +8061,7 @@
           <p:cNvPr id="2" name="Title 1">
             <a:extLst>
               <a:ext uri="{FF2B5EF4-FFF2-40B4-BE49-F238E27FC236}">
-                <a16:creationId xmlns:a16="http://schemas.microsoft.com/office/drawing/2014/main" id="{F8CF1FBB-F50F-4EAC-9235-238450752EE8}"/>
+                <a16:creationId xmlns:a16="http://schemas.microsoft.com/office/drawing/2014/main" id="{C2EA4025-A777-4F21-8E3D-2E525501AAE9}"/>
               </a:ext>
             </a:extLst>
           </p:cNvPr>
@@ -7545,6 +8079,16 @@
           </a:bodyPr>
           <a:lstStyle/>
           <a:p>
+            <a:r>
+              <a:rPr lang="en-CA" sz="2800" b="1" u="sng" dirty="0">
+                <a:solidFill>
+                  <a:srgbClr val="891631"/>
+                </a:solidFill>
+                <a:latin typeface="Times New Roman" panose="02020603050405020304" pitchFamily="18" charset="0"/>
+                <a:cs typeface="Times New Roman" panose="02020603050405020304" pitchFamily="18" charset="0"/>
+              </a:rPr>
+              <a:t>Reinforcement</a:t>
+            </a:r>
             <a:r>
               <a:rPr lang="en-CA" sz="2800" b="1" u="sng" dirty="0">
                 <a:solidFill>
@@ -7555,17 +8099,17 @@
                 <a:latin typeface="Times New Roman" panose="02020603050405020304" pitchFamily="18" charset="0"/>
                 <a:cs typeface="Times New Roman" panose="02020603050405020304" pitchFamily="18" charset="0"/>
               </a:rPr>
-              <a:t>Fortification phase</a:t>
-            </a:r>
-          </a:p>
-        </p:txBody>
-      </p:sp>
-      <p:sp>
-        <p:nvSpPr>
-          <p:cNvPr id="3" name="Content Placeholder 2">
+              <a:t> phase</a:t>
+            </a:r>
+          </a:p>
+        </p:txBody>
+      </p:sp>
+      <p:sp>
+        <p:nvSpPr>
+          <p:cNvPr id="4" name="Text Placeholder 3">
             <a:extLst>
               <a:ext uri="{FF2B5EF4-FFF2-40B4-BE49-F238E27FC236}">
-                <a16:creationId xmlns:a16="http://schemas.microsoft.com/office/drawing/2014/main" id="{36BE1D75-5A21-4155-A871-CB5A6C823350}"/>
+                <a16:creationId xmlns:a16="http://schemas.microsoft.com/office/drawing/2014/main" id="{B00C059F-22CF-4A6E-9176-026B85F2148B}"/>
               </a:ext>
             </a:extLst>
           </p:cNvPr>
@@ -7578,9 +8122,7 @@
         </p:nvSpPr>
         <p:spPr/>
         <p:txBody>
-          <a:bodyPr>
-            <a:normAutofit/>
-          </a:bodyPr>
+          <a:bodyPr/>
           <a:lstStyle/>
           <a:p>
             <a:pPr>
@@ -7589,35 +8131,41 @@
             </a:pPr>
             <a:r>
               <a:rPr lang="en-CA" sz="2200" dirty="0"/>
-              <a:t>Here the player can transfer armies from one country to another country.</a:t>
-            </a:r>
-          </a:p>
-          <a:p>
-            <a:pPr lvl="1">
+              <a:t>In this phase the players will be given reinforcement armies according to countries the own in war, no of card trades by the players and number of continent owned by the player.</a:t>
+            </a:r>
+          </a:p>
+          <a:p>
+            <a:pPr>
               <a:buFont typeface="Wingdings" panose="05000000000000000000" pitchFamily="2" charset="2"/>
               <a:buChar char="Ø"/>
             </a:pPr>
             <a:r>
               <a:rPr lang="en-CA" sz="2200" dirty="0"/>
-              <a:t>Countries should belong to the player</a:t>
-            </a:r>
-          </a:p>
-          <a:p>
-            <a:pPr lvl="1">
+              <a:t>Calculation of total reinforcement armies will be done by machine.</a:t>
+            </a:r>
+          </a:p>
+          <a:p>
+            <a:pPr>
               <a:buFont typeface="Wingdings" panose="05000000000000000000" pitchFamily="2" charset="2"/>
               <a:buChar char="Ø"/>
             </a:pPr>
             <a:r>
               <a:rPr lang="en-CA" sz="2200" dirty="0"/>
-              <a:t>Countries should be connected with each other.(Their coordinates should be connected) </a:t>
-            </a:r>
+              <a:t>Player can distribute the armies to his corresponding countries. </a:t>
+            </a:r>
+          </a:p>
+          <a:p>
+            <a:pPr marL="114300" indent="0">
+              <a:buNone/>
+            </a:pPr>
+            <a:endParaRPr lang="en-CA" dirty="0"/>
           </a:p>
         </p:txBody>
       </p:sp>
     </p:spTree>
     <p:extLst>
       <p:ext uri="{BB962C8B-B14F-4D97-AF65-F5344CB8AC3E}">
-        <p14:creationId xmlns:p14="http://schemas.microsoft.com/office/powerpoint/2010/main" val="1072877324"/>
+        <p14:creationId xmlns:p14="http://schemas.microsoft.com/office/powerpoint/2010/main" val="3923398359"/>
       </p:ext>
     </p:extLst>
   </p:cSld>
@@ -7632,7 +8180,7 @@
   <p:cSld>
     <p:spTree>
       <p:nvGrpSpPr>
-        <p:cNvPr id="1" name="Shape 101"/>
+        <p:cNvPr id="1" name=""/>
         <p:cNvGrpSpPr/>
         <p:nvPr/>
       </p:nvGrpSpPr>
@@ -7646,67 +8194,43 @@
       </p:grpSpPr>
       <p:sp>
         <p:nvSpPr>
-          <p:cNvPr id="102" name="Google Shape;102;p21"/>
-          <p:cNvSpPr txBox="1">
-            <a:spLocks noGrp="1"/>
-          </p:cNvSpPr>
-          <p:nvPr>
-            <p:ph type="body" idx="1"/>
+          <p:cNvPr id="2" name="Title 1">
+            <a:extLst>
+              <a:ext uri="{FF2B5EF4-FFF2-40B4-BE49-F238E27FC236}">
+                <a16:creationId xmlns:a16="http://schemas.microsoft.com/office/drawing/2014/main" id="{2FA76EA1-4BED-4572-957E-1559CCEEA40D}"/>
+              </a:ext>
+            </a:extLst>
+          </p:cNvPr>
+          <p:cNvSpPr>
+            <a:spLocks noGrp="1"/>
+          </p:cNvSpPr>
+          <p:nvPr>
+            <p:ph type="title"/>
           </p:nvPr>
         </p:nvSpPr>
         <p:spPr>
           <a:xfrm>
-            <a:off x="311700" y="101750"/>
-            <a:ext cx="8520600" cy="4467000"/>
+            <a:off x="311700" y="422165"/>
+            <a:ext cx="8520600" cy="572700"/>
           </a:xfrm>
-          <a:prstGeom prst="rect">
-            <a:avLst/>
-          </a:prstGeom>
         </p:spPr>
         <p:txBody>
-          <a:bodyPr spcFirstLastPara="1" wrap="square" lIns="91425" tIns="91425" rIns="91425" bIns="91425" anchor="ctr" anchorCtr="0">
-            <a:noAutofit/>
-          </a:bodyPr>
+          <a:bodyPr/>
           <a:lstStyle/>
           <a:p>
-            <a:pPr marL="0" lvl="0" indent="0" algn="ctr" rtl="0">
-              <a:spcBef>
-                <a:spcPts val="0"/>
-              </a:spcBef>
-              <a:spcAft>
-                <a:spcPts val="0"/>
-              </a:spcAft>
-              <a:buNone/>
-            </a:pPr>
-            <a:r>
-              <a:rPr lang="en-CA" sz="9600" i="1" dirty="0">
+            <a:r>
+              <a:rPr lang="en-US" b="1" u="sng" dirty="0">
                 <a:solidFill>
-                  <a:schemeClr val="accent1">
-                    <a:lumMod val="75000"/>
-                  </a:schemeClr>
+                  <a:srgbClr val="C00000"/>
                 </a:solidFill>
                 <a:latin typeface="Times New Roman" panose="02020603050405020304" pitchFamily="18" charset="0"/>
                 <a:cs typeface="Times New Roman" panose="02020603050405020304" pitchFamily="18" charset="0"/>
               </a:rPr>
-              <a:t>Thank</a:t>
-            </a:r>
-            <a:r>
-              <a:rPr lang="en" sz="9600" i="1" dirty="0">
-                <a:solidFill>
-                  <a:schemeClr val="accent1">
-                    <a:lumMod val="75000"/>
-                  </a:schemeClr>
-                </a:solidFill>
-                <a:latin typeface="Times New Roman" panose="02020603050405020304" pitchFamily="18" charset="0"/>
-                <a:cs typeface="Times New Roman" panose="02020603050405020304" pitchFamily="18" charset="0"/>
-              </a:rPr>
-              <a:t> You</a:t>
-            </a:r>
-            <a:endParaRPr sz="9600" i="1" dirty="0">
+              <a:t>Attack Phase</a:t>
+            </a:r>
+            <a:endParaRPr lang="en-CA" b="1" u="sng" dirty="0">
               <a:solidFill>
-                <a:schemeClr val="accent1">
-                  <a:lumMod val="75000"/>
-                </a:schemeClr>
+                <a:srgbClr val="C00000"/>
               </a:solidFill>
               <a:latin typeface="Times New Roman" panose="02020603050405020304" pitchFamily="18" charset="0"/>
               <a:cs typeface="Times New Roman" panose="02020603050405020304" pitchFamily="18" charset="0"/>
@@ -7714,7 +8238,67 @@
           </a:p>
         </p:txBody>
       </p:sp>
+      <p:sp>
+        <p:nvSpPr>
+          <p:cNvPr id="3" name="Text Placeholder 2">
+            <a:extLst>
+              <a:ext uri="{FF2B5EF4-FFF2-40B4-BE49-F238E27FC236}">
+                <a16:creationId xmlns:a16="http://schemas.microsoft.com/office/drawing/2014/main" id="{4DB2B2E7-EC17-49D9-AE84-CC61C7594DEB}"/>
+              </a:ext>
+            </a:extLst>
+          </p:cNvPr>
+          <p:cNvSpPr>
+            <a:spLocks noGrp="1"/>
+          </p:cNvSpPr>
+          <p:nvPr>
+            <p:ph type="body" idx="1"/>
+          </p:nvPr>
+        </p:nvSpPr>
+        <p:spPr/>
+        <p:txBody>
+          <a:bodyPr>
+            <a:normAutofit/>
+          </a:bodyPr>
+          <a:lstStyle/>
+          <a:p>
+            <a:r>
+              <a:rPr lang="en-US" sz="2000" dirty="0"/>
+              <a:t>In this phase the player can attack the neighboring countries as many times he want provided he has appropriate number of armies to attacking.</a:t>
+            </a:r>
+          </a:p>
+          <a:p>
+            <a:r>
+              <a:rPr lang="en-US" sz="2000" dirty="0"/>
+              <a:t>He can select number of dice he want to attack the opponent country.</a:t>
+            </a:r>
+          </a:p>
+          <a:p>
+            <a:r>
+              <a:rPr lang="en-US" sz="2000" dirty="0"/>
+              <a:t>If he wins any country in attack phase then he will get a card.</a:t>
+            </a:r>
+          </a:p>
+          <a:p>
+            <a:r>
+              <a:rPr lang="en-US" sz="2000" dirty="0"/>
+              <a:t>He can trade card in reinforcement phase to get extra armies.</a:t>
+            </a:r>
+          </a:p>
+          <a:p>
+            <a:r>
+              <a:rPr lang="en-US" sz="2000" dirty="0"/>
+              <a:t>He can also skip the attack phase if he wants.</a:t>
+            </a:r>
+            <a:endParaRPr lang="en-CA" sz="2000" dirty="0"/>
+          </a:p>
+        </p:txBody>
+      </p:sp>
     </p:spTree>
+    <p:extLst>
+      <p:ext uri="{BB962C8B-B14F-4D97-AF65-F5344CB8AC3E}">
+        <p14:creationId xmlns:p14="http://schemas.microsoft.com/office/powerpoint/2010/main" val="2431678483"/>
+      </p:ext>
+    </p:extLst>
   </p:cSld>
   <p:clrMapOvr>
     <a:masterClrMapping/>
